--- a/Design Artefacts/Monitoring system presentation.pptx
+++ b/Design Artefacts/Monitoring system presentation.pptx
@@ -15424,7 +15424,7 @@
         <p:spPr>
           <a:xfrm>
             <a:off x="190553" y="1787245"/>
-            <a:ext cx="4068421" cy="1384995"/>
+            <a:ext cx="3984552" cy="1384995"/>
           </a:xfrm>
           <a:prstGeom prst="rect">
             <a:avLst/>
@@ -15436,30 +15436,6 @@
             <a:spAutoFit/>
           </a:bodyPr>
           <a:lstStyle/>
-          <a:p>
-            <a:pPr marL="342900" marR="0" lvl="0" indent="-342900">
-              <a:spcBef>
-                <a:spcPts val="0"/>
-              </a:spcBef>
-              <a:spcAft>
-                <a:spcPts val="0"/>
-              </a:spcAft>
-              <a:buFont typeface="Symbol" pitchFamily="2" charset="2"/>
-              <a:buChar char=""/>
-            </a:pPr>
-            <a:r>
-              <a:rPr lang="en-US" sz="2800" b="1" kern="100" dirty="0">
-                <a:solidFill>
-                  <a:schemeClr val="bg1"/>
-                </a:solidFill>
-                <a:effectLst/>
-                <a:latin typeface="Aptos" panose="020B0004020202020204" pitchFamily="34" charset="0"/>
-                <a:ea typeface="Aptos" panose="020B0004020202020204" pitchFamily="34" charset="0"/>
-                <a:cs typeface="Times New Roman" panose="02020603050405020304" pitchFamily="18" charset="0"/>
-              </a:rPr>
-              <a:t>Real time information</a:t>
-            </a:r>
-          </a:p>
           <a:p>
             <a:pPr marL="342900" marR="0" lvl="0" indent="-342900">
               <a:spcBef>
@@ -15485,6 +15461,32 @@
             </a:r>
           </a:p>
           <a:p>
+            <a:pPr marL="342900" indent="-342900">
+              <a:buFont typeface="Symbol" pitchFamily="2" charset="2"/>
+              <a:buChar char=""/>
+            </a:pPr>
+            <a:r>
+              <a:rPr lang="en-US" sz="2800" b="1" kern="100" dirty="0">
+                <a:solidFill>
+                  <a:schemeClr val="bg1"/>
+                </a:solidFill>
+                <a:effectLst/>
+                <a:latin typeface="Aptos" panose="020B0004020202020204" pitchFamily="34" charset="0"/>
+                <a:ea typeface="Aptos" panose="020B0004020202020204" pitchFamily="34" charset="0"/>
+                <a:cs typeface="Times New Roman" panose="02020603050405020304" pitchFamily="18" charset="0"/>
+              </a:rPr>
+              <a:t>See traces</a:t>
+            </a:r>
+            <a:endParaRPr lang="en-US" sz="2800" b="1" kern="100" dirty="0">
+              <a:solidFill>
+                <a:schemeClr val="bg1"/>
+              </a:solidFill>
+              <a:latin typeface="Aptos" panose="020B0004020202020204" pitchFamily="34" charset="0"/>
+              <a:ea typeface="Aptos" panose="020B0004020202020204" pitchFamily="34" charset="0"/>
+              <a:cs typeface="Times New Roman" panose="02020603050405020304" pitchFamily="18" charset="0"/>
+            </a:endParaRPr>
+          </a:p>
+          <a:p>
             <a:pPr marL="342900" marR="0" lvl="0" indent="-342900">
               <a:spcBef>
                 <a:spcPts val="0"/>
@@ -15524,7 +15526,7 @@
         <p:spPr>
           <a:xfrm>
             <a:off x="7933028" y="1787246"/>
-            <a:ext cx="3416320" cy="1384995"/>
+            <a:ext cx="4183838" cy="1384995"/>
           </a:xfrm>
           <a:prstGeom prst="rect">
             <a:avLst/>
@@ -15579,8 +15581,13 @@
                 <a:ea typeface="Aptos" panose="020B0004020202020204" pitchFamily="34" charset="0"/>
                 <a:cs typeface="Times New Roman" panose="02020603050405020304" pitchFamily="18" charset="0"/>
               </a:rPr>
-              <a:t>See traces</a:t>
+              <a:t>Real time information</a:t>
             </a:r>
+            <a:endParaRPr lang="en-US" sz="2800" b="1" dirty="0">
+              <a:solidFill>
+                <a:srgbClr val="262626"/>
+              </a:solidFill>
+            </a:endParaRPr>
           </a:p>
         </p:txBody>
       </p:sp>
@@ -16048,8 +16055,8 @@
         </p:nvSpPr>
         <p:spPr>
           <a:xfrm>
-            <a:off x="561823" y="419100"/>
-            <a:ext cx="2771913" cy="2062103"/>
+            <a:off x="195248" y="223154"/>
+            <a:ext cx="4833952" cy="2554545"/>
           </a:xfrm>
           <a:prstGeom prst="rect">
             <a:avLst/>
@@ -16085,6 +16092,16 @@
             <a:r>
               <a:rPr lang="en-US" sz="3200" b="1" dirty="0"/>
               <a:t>Free of cost</a:t>
+            </a:r>
+          </a:p>
+          <a:p>
+            <a:pPr marL="285750" indent="-285750">
+              <a:buFont typeface="Arial" panose="020B0604020202020204" pitchFamily="34" charset="0"/>
+              <a:buChar char="•"/>
+            </a:pPr>
+            <a:r>
+              <a:rPr lang="en-US" sz="3200" b="1" dirty="0"/>
+              <a:t>Works with other tools</a:t>
             </a:r>
           </a:p>
           <a:p>
@@ -19321,6 +19338,97 @@
               <a:t>18</a:t>
             </a:fld>
             <a:endParaRPr lang="en-US" dirty="0"/>
+          </a:p>
+        </p:txBody>
+      </p:sp>
+      <p:sp>
+        <p:nvSpPr>
+          <p:cNvPr id="4" name="Rectangle 3">
+            <a:extLst>
+              <a:ext uri="{FF2B5EF4-FFF2-40B4-BE49-F238E27FC236}">
+                <a16:creationId xmlns:a16="http://schemas.microsoft.com/office/drawing/2014/main" id="{2C4F9BCB-51F4-93FB-0CEC-3BACBFC7F248}"/>
+              </a:ext>
+            </a:extLst>
+          </p:cNvPr>
+          <p:cNvSpPr/>
+          <p:nvPr/>
+        </p:nvSpPr>
+        <p:spPr>
+          <a:xfrm>
+            <a:off x="2049516" y="1108363"/>
+            <a:ext cx="1072055" cy="436658"/>
+          </a:xfrm>
+          <a:prstGeom prst="rect">
+            <a:avLst/>
+          </a:prstGeom>
+          <a:solidFill>
+            <a:schemeClr val="tx1"/>
+          </a:solidFill>
+          <a:ln>
+            <a:noFill/>
+          </a:ln>
+        </p:spPr>
+        <p:style>
+          <a:lnRef idx="2">
+            <a:schemeClr val="accent1">
+              <a:shade val="15000"/>
+            </a:schemeClr>
+          </a:lnRef>
+          <a:fillRef idx="1">
+            <a:schemeClr val="accent1"/>
+          </a:fillRef>
+          <a:effectRef idx="0">
+            <a:schemeClr val="accent1"/>
+          </a:effectRef>
+          <a:fontRef idx="minor">
+            <a:schemeClr val="lt1"/>
+          </a:fontRef>
+        </p:style>
+        <p:txBody>
+          <a:bodyPr rtlCol="0" anchor="ctr"/>
+          <a:lstStyle/>
+          <a:p>
+            <a:pPr algn="ctr"/>
+            <a:endParaRPr lang="en-US"/>
+          </a:p>
+        </p:txBody>
+      </p:sp>
+      <p:sp>
+        <p:nvSpPr>
+          <p:cNvPr id="7" name="TextBox 6">
+            <a:extLst>
+              <a:ext uri="{FF2B5EF4-FFF2-40B4-BE49-F238E27FC236}">
+                <a16:creationId xmlns:a16="http://schemas.microsoft.com/office/drawing/2014/main" id="{7A644BD5-2AB6-EF60-ABD9-3FFECC4B4405}"/>
+              </a:ext>
+            </a:extLst>
+          </p:cNvPr>
+          <p:cNvSpPr txBox="1"/>
+          <p:nvPr/>
+        </p:nvSpPr>
+        <p:spPr>
+          <a:xfrm>
+            <a:off x="2049516" y="1093754"/>
+            <a:ext cx="907621" cy="230832"/>
+          </a:xfrm>
+          <a:prstGeom prst="rect">
+            <a:avLst/>
+          </a:prstGeom>
+          <a:noFill/>
+        </p:spPr>
+        <p:txBody>
+          <a:bodyPr wrap="none" rtlCol="0">
+            <a:spAutoFit/>
+          </a:bodyPr>
+          <a:lstStyle/>
+          <a:p>
+            <a:r>
+              <a:rPr lang="en-US" sz="900" dirty="0">
+                <a:solidFill>
+                  <a:schemeClr val="bg1"/>
+                </a:solidFill>
+              </a:rPr>
+              <a:t>Apache pulsar</a:t>
+            </a:r>
           </a:p>
         </p:txBody>
       </p:sp>
@@ -23215,7 +23323,7 @@
         </p:blipFill>
         <p:spPr>
           <a:xfrm>
-            <a:off x="1138215" y="75198"/>
+            <a:off x="1200531" y="75198"/>
             <a:ext cx="7465458" cy="6707601"/>
           </a:xfrm>
           <a:prstGeom prst="rect">
@@ -23292,6 +23400,118 @@
           </a:p>
         </p:txBody>
       </p:sp>
+      <p:grpSp>
+        <p:nvGrpSpPr>
+          <p:cNvPr id="8" name="Group 7">
+            <a:extLst>
+              <a:ext uri="{FF2B5EF4-FFF2-40B4-BE49-F238E27FC236}">
+                <a16:creationId xmlns:a16="http://schemas.microsoft.com/office/drawing/2014/main" id="{BAC4B13E-19FC-ECCE-57F4-4E92E0129381}"/>
+              </a:ext>
+            </a:extLst>
+          </p:cNvPr>
+          <p:cNvGrpSpPr/>
+          <p:nvPr/>
+        </p:nvGrpSpPr>
+        <p:grpSpPr>
+          <a:xfrm>
+            <a:off x="2701637" y="2710934"/>
+            <a:ext cx="914400" cy="369332"/>
+            <a:chOff x="2701637" y="2710934"/>
+            <a:chExt cx="914400" cy="369332"/>
+          </a:xfrm>
+        </p:grpSpPr>
+        <p:sp>
+          <p:nvSpPr>
+            <p:cNvPr id="2" name="Rectangle 1">
+              <a:extLst>
+                <a:ext uri="{FF2B5EF4-FFF2-40B4-BE49-F238E27FC236}">
+                  <a16:creationId xmlns:a16="http://schemas.microsoft.com/office/drawing/2014/main" id="{F0DD1F1E-F866-0264-442B-EB29E4B90397}"/>
+                </a:ext>
+              </a:extLst>
+            </p:cNvPr>
+            <p:cNvSpPr/>
+            <p:nvPr/>
+          </p:nvSpPr>
+          <p:spPr>
+            <a:xfrm>
+              <a:off x="2701637" y="2770910"/>
+              <a:ext cx="914400" cy="249381"/>
+            </a:xfrm>
+            <a:prstGeom prst="rect">
+              <a:avLst/>
+            </a:prstGeom>
+            <a:solidFill>
+              <a:schemeClr val="tx1"/>
+            </a:solidFill>
+            <a:ln>
+              <a:noFill/>
+            </a:ln>
+          </p:spPr>
+          <p:style>
+            <a:lnRef idx="2">
+              <a:schemeClr val="accent1">
+                <a:shade val="15000"/>
+              </a:schemeClr>
+            </a:lnRef>
+            <a:fillRef idx="1">
+              <a:schemeClr val="accent1"/>
+            </a:fillRef>
+            <a:effectRef idx="0">
+              <a:schemeClr val="accent1"/>
+            </a:effectRef>
+            <a:fontRef idx="minor">
+              <a:schemeClr val="lt1"/>
+            </a:fontRef>
+          </p:style>
+          <p:txBody>
+            <a:bodyPr rtlCol="0" anchor="ctr"/>
+            <a:lstStyle/>
+            <a:p>
+              <a:pPr algn="ctr"/>
+              <a:endParaRPr lang="en-US"/>
+            </a:p>
+          </p:txBody>
+        </p:sp>
+        <p:sp>
+          <p:nvSpPr>
+            <p:cNvPr id="7" name="TextBox 6">
+              <a:extLst>
+                <a:ext uri="{FF2B5EF4-FFF2-40B4-BE49-F238E27FC236}">
+                  <a16:creationId xmlns:a16="http://schemas.microsoft.com/office/drawing/2014/main" id="{AD28C452-20F6-D63B-6626-58EF7A495682}"/>
+                </a:ext>
+              </a:extLst>
+            </p:cNvPr>
+            <p:cNvSpPr txBox="1"/>
+            <p:nvPr/>
+          </p:nvSpPr>
+          <p:spPr>
+            <a:xfrm>
+              <a:off x="2701637" y="2710934"/>
+              <a:ext cx="914400" cy="369332"/>
+            </a:xfrm>
+            <a:prstGeom prst="rect">
+              <a:avLst/>
+            </a:prstGeom>
+            <a:noFill/>
+          </p:spPr>
+          <p:txBody>
+            <a:bodyPr wrap="square" rtlCol="0">
+              <a:spAutoFit/>
+            </a:bodyPr>
+            <a:lstStyle/>
+            <a:p>
+              <a:r>
+                <a:rPr lang="en-US" dirty="0">
+                  <a:solidFill>
+                    <a:schemeClr val="bg1"/>
+                  </a:solidFill>
+                </a:rPr>
+                <a:t>Master</a:t>
+              </a:r>
+            </a:p>
+          </p:txBody>
+        </p:sp>
+      </p:grpSp>
     </p:spTree>
     <p:extLst>
       <p:ext uri="{BB962C8B-B14F-4D97-AF65-F5344CB8AC3E}">
@@ -23395,24 +23615,97 @@
                                   </p:childTnLst>
                                 </p:cTn>
                               </p:par>
+                              <p:par>
+                                <p:cTn id="9" presetID="2" presetClass="exit" presetSubtype="8" fill="hold" nodeType="withEffect">
+                                  <p:stCondLst>
+                                    <p:cond delay="0"/>
+                                  </p:stCondLst>
+                                  <p:childTnLst>
+                                    <p:anim calcmode="lin" valueType="num">
+                                      <p:cBhvr additive="base">
+                                        <p:cTn id="10" dur="500"/>
+                                        <p:tgtEl>
+                                          <p:spTgt spid="8"/>
+                                        </p:tgtEl>
+                                        <p:attrNameLst>
+                                          <p:attrName>ppt_x</p:attrName>
+                                        </p:attrNameLst>
+                                      </p:cBhvr>
+                                      <p:tavLst>
+                                        <p:tav tm="0">
+                                          <p:val>
+                                            <p:strVal val="ppt_x"/>
+                                          </p:val>
+                                        </p:tav>
+                                        <p:tav tm="100000">
+                                          <p:val>
+                                            <p:strVal val="0-ppt_w/2"/>
+                                          </p:val>
+                                        </p:tav>
+                                      </p:tavLst>
+                                    </p:anim>
+                                    <p:anim calcmode="lin" valueType="num">
+                                      <p:cBhvr additive="base">
+                                        <p:cTn id="11" dur="500"/>
+                                        <p:tgtEl>
+                                          <p:spTgt spid="8"/>
+                                        </p:tgtEl>
+                                        <p:attrNameLst>
+                                          <p:attrName>ppt_y</p:attrName>
+                                        </p:attrNameLst>
+                                      </p:cBhvr>
+                                      <p:tavLst>
+                                        <p:tav tm="0">
+                                          <p:val>
+                                            <p:strVal val="ppt_y"/>
+                                          </p:val>
+                                        </p:tav>
+                                        <p:tav tm="100000">
+                                          <p:val>
+                                            <p:strVal val="ppt_y"/>
+                                          </p:val>
+                                        </p:tav>
+                                      </p:tavLst>
+                                    </p:anim>
+                                    <p:set>
+                                      <p:cBhvr>
+                                        <p:cTn id="12" dur="1" fill="hold">
+                                          <p:stCondLst>
+                                            <p:cond delay="499"/>
+                                          </p:stCondLst>
+                                        </p:cTn>
+                                        <p:tgtEl>
+                                          <p:spTgt spid="8"/>
+                                        </p:tgtEl>
+                                        <p:attrNameLst>
+                                          <p:attrName>style.visibility</p:attrName>
+                                        </p:attrNameLst>
+                                      </p:cBhvr>
+                                      <p:to>
+                                        <p:strVal val="hidden"/>
+                                      </p:to>
+                                    </p:set>
+                                  </p:childTnLst>
+                                </p:cTn>
+                              </p:par>
                             </p:childTnLst>
                           </p:cTn>
                         </p:par>
                         <p:par>
-                          <p:cTn id="9" fill="hold">
+                          <p:cTn id="13" fill="hold">
                             <p:stCondLst>
                               <p:cond delay="500"/>
                             </p:stCondLst>
                             <p:childTnLst>
                               <p:par>
-                                <p:cTn id="10" presetID="2" presetClass="entr" presetSubtype="2" fill="hold" nodeType="afterEffect">
+                                <p:cTn id="14" presetID="2" presetClass="entr" presetSubtype="2" fill="hold" nodeType="afterEffect">
                                   <p:stCondLst>
                                     <p:cond delay="0"/>
                                   </p:stCondLst>
                                   <p:childTnLst>
                                     <p:set>
                                       <p:cBhvr>
-                                        <p:cTn id="11" dur="1" fill="hold">
+                                        <p:cTn id="15" dur="1" fill="hold">
                                           <p:stCondLst>
                                             <p:cond delay="0"/>
                                           </p:stCondLst>
@@ -23430,7 +23723,7 @@
                                     </p:set>
                                     <p:anim calcmode="lin" valueType="num">
                                       <p:cBhvr additive="base">
-                                        <p:cTn id="12" dur="500" fill="hold"/>
+                                        <p:cTn id="16" dur="500" fill="hold"/>
                                         <p:tgtEl>
                                           <p:spTgt spid="5"/>
                                         </p:tgtEl>
@@ -23453,7 +23746,7 @@
                                     </p:anim>
                                     <p:anim calcmode="lin" valueType="num">
                                       <p:cBhvr additive="base">
-                                        <p:cTn id="13" dur="500" fill="hold"/>
+                                        <p:cTn id="17" dur="500" fill="hold"/>
                                         <p:tgtEl>
                                           <p:spTgt spid="5"/>
                                         </p:tgtEl>
@@ -24061,7 +24354,7 @@
             </a:pPr>
             <a:r>
               <a:rPr lang="en-US" sz="2800" dirty="0"/>
-              <a:t>Show changes within one minute of them happening.</a:t>
+              <a:t>Show changes within 10 seconds of them happening.</a:t>
             </a:r>
           </a:p>
         </p:txBody>
